--- a/PPT_PAPERS_REPORT/Celestial.pptx
+++ b/PPT_PAPERS_REPORT/Celestial.pptx
@@ -5,10 +5,10 @@
     <p:sldMasterId id="2147483648" r:id="rId1"/>
   </p:sldMasterIdLst>
   <p:notesMasterIdLst>
-    <p:notesMasterId r:id="rId16"/>
+    <p:notesMasterId r:id="rId17"/>
   </p:notesMasterIdLst>
   <p:handoutMasterIdLst>
-    <p:handoutMasterId r:id="rId17"/>
+    <p:handoutMasterId r:id="rId18"/>
   </p:handoutMasterIdLst>
   <p:sldIdLst>
     <p:sldId id="256" r:id="rId2"/>
@@ -21,10 +21,11 @@
     <p:sldId id="264" r:id="rId9"/>
     <p:sldId id="266" r:id="rId10"/>
     <p:sldId id="262" r:id="rId11"/>
-    <p:sldId id="269" r:id="rId12"/>
-    <p:sldId id="270" r:id="rId13"/>
-    <p:sldId id="268" r:id="rId14"/>
-    <p:sldId id="267" r:id="rId15"/>
+    <p:sldId id="271" r:id="rId12"/>
+    <p:sldId id="269" r:id="rId13"/>
+    <p:sldId id="270" r:id="rId14"/>
+    <p:sldId id="268" r:id="rId15"/>
+    <p:sldId id="267" r:id="rId16"/>
   </p:sldIdLst>
   <p:sldSz cx="12192000" cy="6858000"/>
   <p:notesSz cx="6858000" cy="9144000"/>
@@ -225,7 +226,7 @@
           <a:p>
             <a:fld id="{523052D1-4739-49AB-B9D4-C3421E3C23F2}" type="datetimeFigureOut">
               <a:rPr lang="en-IN" smtClean="0"/>
-              <a:t>18-10-2024</a:t>
+              <a:t>02-01-2025</a:t>
             </a:fld>
             <a:endParaRPr lang="en-IN"/>
           </a:p>
@@ -403,7 +404,7 @@
           <a:p>
             <a:fld id="{FB3FF0BA-10E1-4B2E-B5AF-5F654CD91276}" type="datetimeFigureOut">
               <a:rPr lang="en-IN" smtClean="0"/>
-              <a:t>18-10-2024</a:t>
+              <a:t>01-01-2025</a:t>
             </a:fld>
             <a:endParaRPr lang="en-IN"/>
           </a:p>
@@ -840,7 +841,7 @@
           <a:p>
             <a:fld id="{B2FCCEAE-0DFA-4BB3-AB62-EC0C9018CE79}" type="slidenum">
               <a:rPr lang="en-IN" smtClean="0"/>
-              <a:t>13</a:t>
+              <a:t>14</a:t>
             </a:fld>
             <a:endParaRPr lang="en-IN"/>
           </a:p>
@@ -1114,7 +1115,7 @@
             <a:fld id="{B61BEF0D-F0BB-DE4B-95CE-6DB70DBA9567}" type="datetimeFigureOut">
               <a:rPr lang="en-US" smtClean="0"/>
               <a:pPr/>
-              <a:t>10/18/2024</a:t>
+              <a:t>1/1/2025</a:t>
             </a:fld>
             <a:endParaRPr lang="en-US" dirty="0"/>
           </a:p>
@@ -1445,7 +1446,7 @@
             <a:fld id="{B61BEF0D-F0BB-DE4B-95CE-6DB70DBA9567}" type="datetimeFigureOut">
               <a:rPr lang="en-US" smtClean="0"/>
               <a:pPr/>
-              <a:t>10/18/2024</a:t>
+              <a:t>1/1/2025</a:t>
             </a:fld>
             <a:endParaRPr lang="en-US" dirty="0"/>
           </a:p>
@@ -1720,7 +1721,7 @@
             <a:fld id="{B61BEF0D-F0BB-DE4B-95CE-6DB70DBA9567}" type="datetimeFigureOut">
               <a:rPr lang="en-US" smtClean="0"/>
               <a:pPr/>
-              <a:t>10/18/2024</a:t>
+              <a:t>1/1/2025</a:t>
             </a:fld>
             <a:endParaRPr lang="en-US" dirty="0"/>
           </a:p>
@@ -2285,7 +2286,7 @@
             <a:fld id="{B61BEF0D-F0BB-DE4B-95CE-6DB70DBA9567}" type="datetimeFigureOut">
               <a:rPr lang="en-US" smtClean="0"/>
               <a:pPr/>
-              <a:t>10/18/2024</a:t>
+              <a:t>1/1/2025</a:t>
             </a:fld>
             <a:endParaRPr lang="en-US" dirty="0"/>
           </a:p>
@@ -2560,7 +2561,7 @@
             <a:fld id="{B61BEF0D-F0BB-DE4B-95CE-6DB70DBA9567}" type="datetimeFigureOut">
               <a:rPr lang="en-US" smtClean="0"/>
               <a:pPr/>
-              <a:t>10/18/2024</a:t>
+              <a:t>1/1/2025</a:t>
             </a:fld>
             <a:endParaRPr lang="en-US" dirty="0"/>
           </a:p>
@@ -3119,7 +3120,7 @@
             <a:fld id="{B61BEF0D-F0BB-DE4B-95CE-6DB70DBA9567}" type="datetimeFigureOut">
               <a:rPr lang="en-US" smtClean="0"/>
               <a:pPr/>
-              <a:t>10/18/2024</a:t>
+              <a:t>1/1/2025</a:t>
             </a:fld>
             <a:endParaRPr lang="en-US" dirty="0"/>
           </a:p>
@@ -3443,7 +3444,7 @@
             <a:fld id="{B61BEF0D-F0BB-DE4B-95CE-6DB70DBA9567}" type="datetimeFigureOut">
               <a:rPr lang="en-US" smtClean="0"/>
               <a:pPr/>
-              <a:t>10/18/2024</a:t>
+              <a:t>1/1/2025</a:t>
             </a:fld>
             <a:endParaRPr lang="en-US" dirty="0"/>
           </a:p>
@@ -3617,7 +3618,7 @@
             <a:fld id="{B61BEF0D-F0BB-DE4B-95CE-6DB70DBA9567}" type="datetimeFigureOut">
               <a:rPr lang="en-US" smtClean="0"/>
               <a:pPr/>
-              <a:t>10/18/2024</a:t>
+              <a:t>1/1/2025</a:t>
             </a:fld>
             <a:endParaRPr lang="en-US" dirty="0"/>
           </a:p>
@@ -3852,7 +3853,7 @@
             <a:fld id="{B61BEF0D-F0BB-DE4B-95CE-6DB70DBA9567}" type="datetimeFigureOut">
               <a:rPr lang="en-US" smtClean="0"/>
               <a:pPr/>
-              <a:t>10/18/2024</a:t>
+              <a:t>1/1/2025</a:t>
             </a:fld>
             <a:endParaRPr lang="en-US" dirty="0"/>
           </a:p>
@@ -4049,7 +4050,7 @@
             <a:fld id="{B61BEF0D-F0BB-DE4B-95CE-6DB70DBA9567}" type="datetimeFigureOut">
               <a:rPr lang="en-US" smtClean="0"/>
               <a:pPr/>
-              <a:t>10/18/2024</a:t>
+              <a:t>1/1/2025</a:t>
             </a:fld>
             <a:endParaRPr lang="en-US" dirty="0"/>
           </a:p>
@@ -4322,7 +4323,7 @@
             <a:fld id="{B61BEF0D-F0BB-DE4B-95CE-6DB70DBA9567}" type="datetimeFigureOut">
               <a:rPr lang="en-US" smtClean="0"/>
               <a:pPr/>
-              <a:t>10/18/2024</a:t>
+              <a:t>1/1/2025</a:t>
             </a:fld>
             <a:endParaRPr lang="en-US" dirty="0"/>
           </a:p>
@@ -4585,7 +4586,7 @@
             <a:fld id="{B61BEF0D-F0BB-DE4B-95CE-6DB70DBA9567}" type="datetimeFigureOut">
               <a:rPr lang="en-US" smtClean="0"/>
               <a:pPr/>
-              <a:t>10/18/2024</a:t>
+              <a:t>1/1/2025</a:t>
             </a:fld>
             <a:endParaRPr lang="en-US" dirty="0"/>
           </a:p>
@@ -4956,7 +4957,7 @@
             <a:fld id="{B61BEF0D-F0BB-DE4B-95CE-6DB70DBA9567}" type="datetimeFigureOut">
               <a:rPr lang="en-US" smtClean="0"/>
               <a:pPr/>
-              <a:t>10/18/2024</a:t>
+              <a:t>1/1/2025</a:t>
             </a:fld>
             <a:endParaRPr lang="en-US" dirty="0"/>
           </a:p>
@@ -5101,7 +5102,7 @@
             <a:fld id="{B61BEF0D-F0BB-DE4B-95CE-6DB70DBA9567}" type="datetimeFigureOut">
               <a:rPr lang="en-US" smtClean="0"/>
               <a:pPr/>
-              <a:t>10/18/2024</a:t>
+              <a:t>1/1/2025</a:t>
             </a:fld>
             <a:endParaRPr lang="en-US" dirty="0"/>
           </a:p>
@@ -5223,7 +5224,7 @@
             <a:fld id="{B61BEF0D-F0BB-DE4B-95CE-6DB70DBA9567}" type="datetimeFigureOut">
               <a:rPr lang="en-US" smtClean="0"/>
               <a:pPr/>
-              <a:t>10/18/2024</a:t>
+              <a:t>1/1/2025</a:t>
             </a:fld>
             <a:endParaRPr lang="en-US" dirty="0"/>
           </a:p>
@@ -5505,7 +5506,7 @@
             <a:fld id="{B61BEF0D-F0BB-DE4B-95CE-6DB70DBA9567}" type="datetimeFigureOut">
               <a:rPr lang="en-US" smtClean="0"/>
               <a:pPr/>
-              <a:t>10/18/2024</a:t>
+              <a:t>1/1/2025</a:t>
             </a:fld>
             <a:endParaRPr lang="en-US" dirty="0"/>
           </a:p>
@@ -5826,7 +5827,7 @@
             <a:fld id="{B61BEF0D-F0BB-DE4B-95CE-6DB70DBA9567}" type="datetimeFigureOut">
               <a:rPr lang="en-US" smtClean="0"/>
               <a:pPr/>
-              <a:t>10/18/2024</a:t>
+              <a:t>1/1/2025</a:t>
             </a:fld>
             <a:endParaRPr lang="en-US" dirty="0"/>
           </a:p>
@@ -6037,7 +6038,7 @@
             <a:fld id="{B61BEF0D-F0BB-DE4B-95CE-6DB70DBA9567}" type="datetimeFigureOut">
               <a:rPr lang="en-US" smtClean="0"/>
               <a:pPr/>
-              <a:t>10/18/2024</a:t>
+              <a:t>1/1/2025</a:t>
             </a:fld>
             <a:endParaRPr lang="en-US" dirty="0"/>
           </a:p>
@@ -7256,186 +7257,58 @@
       </p:grpSpPr>
       <p:sp>
         <p:nvSpPr>
-          <p:cNvPr id="4" name="TextBox 3">
+          <p:cNvPr id="2" name="Title 1">
             <a:extLst>
               <a:ext uri="{FF2B5EF4-FFF2-40B4-BE49-F238E27FC236}">
-                <a16:creationId xmlns:a16="http://schemas.microsoft.com/office/drawing/2014/main" id="{1384A3D3-8A0A-134B-CFE2-E8F1877C18C4}"/>
+                <a16:creationId xmlns:a16="http://schemas.microsoft.com/office/drawing/2014/main" id="{AA562F48-F928-43B4-A76B-3DE4E05257E1}"/>
               </a:ext>
             </a:extLst>
           </p:cNvPr>
-          <p:cNvSpPr txBox="1"/>
-          <p:nvPr/>
-        </p:nvSpPr>
-        <p:spPr>
-          <a:xfrm>
-            <a:off x="762001" y="745549"/>
-            <a:ext cx="11026588" cy="1988365"/>
-          </a:xfrm>
-          <a:prstGeom prst="rect">
-            <a:avLst/>
-          </a:prstGeom>
-          <a:noFill/>
-        </p:spPr>
-        <p:txBody>
-          <a:bodyPr wrap="square" rtlCol="0">
-            <a:spAutoFit/>
-          </a:bodyPr>
-          <a:lstStyle/>
-          <a:p>
-            <a:r>
-              <a:rPr lang="en-US" b="1" i="1" dirty="0">
-                <a:solidFill>
-                  <a:srgbClr val="FFC000"/>
-                </a:solidFill>
-                <a:latin typeface="Cascadia Code SemiLight" panose="020B0609020000020004" pitchFamily="49" charset="0"/>
-                <a:ea typeface="Cascadia Code SemiLight" panose="020B0609020000020004" pitchFamily="49" charset="0"/>
-                <a:cs typeface="Cascadia Code SemiLight" panose="020B0609020000020004" pitchFamily="49" charset="0"/>
-              </a:rPr>
-              <a:t>Text to Layout model </a:t>
-            </a:r>
-            <a:r>
-              <a:rPr lang="en-IN" b="1" i="1" dirty="0">
-                <a:solidFill>
-                  <a:srgbClr val="FFC000"/>
-                </a:solidFill>
-                <a:latin typeface="Cascadia Code SemiLight" panose="020B0609020000020004" pitchFamily="49" charset="0"/>
-                <a:ea typeface="Cascadia Code SemiLight" panose="020B0609020000020004" pitchFamily="49" charset="0"/>
-                <a:cs typeface="Cascadia Code SemiLight" panose="020B0609020000020004" pitchFamily="49" charset="0"/>
-              </a:rPr>
-              <a:t>:</a:t>
-            </a:r>
-            <a:r>
-              <a:rPr lang="en-US" b="1" i="1" dirty="0">
-                <a:solidFill>
-                  <a:srgbClr val="FFC000"/>
-                </a:solidFill>
-                <a:latin typeface="Cascadia Code SemiLight" panose="020B0609020000020004" pitchFamily="49" charset="0"/>
-                <a:ea typeface="Cascadia Code SemiLight" panose="020B0609020000020004" pitchFamily="49" charset="0"/>
-                <a:cs typeface="Cascadia Code SemiLight" panose="020B0609020000020004" pitchFamily="49" charset="0"/>
-              </a:rPr>
-              <a:t>	</a:t>
-            </a:r>
-          </a:p>
-          <a:p>
-            <a:pPr marL="742950" lvl="1" indent="-285750">
-              <a:lnSpc>
-                <a:spcPct val="150000"/>
-              </a:lnSpc>
-              <a:buFont typeface="Wingdings" panose="05000000000000000000" pitchFamily="2" charset="2"/>
-              <a:buChar char="Ø"/>
-            </a:pPr>
-            <a:r>
-              <a:rPr lang="en-IN" dirty="0"/>
-              <a:t>Diffusion models are good for generating images .But those models face challenges to create visual texts.</a:t>
-            </a:r>
-          </a:p>
-          <a:p>
-            <a:pPr marL="742950" lvl="1" indent="-285750">
-              <a:lnSpc>
-                <a:spcPct val="150000"/>
-              </a:lnSpc>
-              <a:buFont typeface="Wingdings" panose="05000000000000000000" pitchFamily="2" charset="2"/>
-              <a:buChar char="Ø"/>
-            </a:pPr>
-            <a:r>
-              <a:rPr lang="en-US" dirty="0"/>
-              <a:t>TextDiffuser-2, is such model which aims to unleash the power of language models for text rendering.</a:t>
-            </a:r>
-          </a:p>
-          <a:p>
-            <a:pPr marL="742950" lvl="1" indent="-285750">
-              <a:lnSpc>
-                <a:spcPct val="150000"/>
-              </a:lnSpc>
-              <a:buFont typeface="Wingdings" panose="05000000000000000000" pitchFamily="2" charset="2"/>
-              <a:buChar char="Ø"/>
-            </a:pPr>
-            <a:r>
-              <a:rPr lang="en-US" dirty="0"/>
-              <a:t>It uses two LLM model for layout planning  and layout encoding then uses a diffusion model for generating the image.</a:t>
-            </a:r>
-          </a:p>
-        </p:txBody>
-      </p:sp>
-      <p:pic>
-        <p:nvPicPr>
-          <p:cNvPr id="6" name="Picture 5">
+          <p:cNvSpPr>
+            <a:spLocks noGrp="1"/>
+          </p:cNvSpPr>
+          <p:nvPr>
+            <p:ph type="title"/>
+          </p:nvPr>
+        </p:nvSpPr>
+        <p:spPr/>
+        <p:txBody>
+          <a:bodyPr/>
+          <a:lstStyle/>
+          <a:p>
+            <a:endParaRPr lang="en-IN"/>
+          </a:p>
+        </p:txBody>
+      </p:sp>
+      <p:sp>
+        <p:nvSpPr>
+          <p:cNvPr id="3" name="Content Placeholder 2">
             <a:extLst>
               <a:ext uri="{FF2B5EF4-FFF2-40B4-BE49-F238E27FC236}">
-                <a16:creationId xmlns:a16="http://schemas.microsoft.com/office/drawing/2014/main" id="{0D594F20-E167-3E2A-36C0-0BEFD480A154}"/>
+                <a16:creationId xmlns:a16="http://schemas.microsoft.com/office/drawing/2014/main" id="{A5E16E81-DEA1-636E-FD77-1A9CAC926F7A}"/>
               </a:ext>
             </a:extLst>
           </p:cNvPr>
-          <p:cNvPicPr>
-            <a:picLocks noChangeAspect="1"/>
-          </p:cNvPicPr>
-          <p:nvPr/>
-        </p:nvPicPr>
-        <p:blipFill>
-          <a:blip r:embed="rId2"/>
-          <a:stretch>
-            <a:fillRect/>
-          </a:stretch>
-        </p:blipFill>
-        <p:spPr>
-          <a:xfrm>
-            <a:off x="1504622" y="3198555"/>
-            <a:ext cx="8716591" cy="2343477"/>
-          </a:xfrm>
-          <a:prstGeom prst="rect">
-            <a:avLst/>
-          </a:prstGeom>
-        </p:spPr>
-      </p:pic>
-      <p:sp>
-        <p:nvSpPr>
-          <p:cNvPr id="14" name="TextBox 13">
-            <a:extLst>
-              <a:ext uri="{FF2B5EF4-FFF2-40B4-BE49-F238E27FC236}">
-                <a16:creationId xmlns:a16="http://schemas.microsoft.com/office/drawing/2014/main" id="{61A102CD-C668-EA4F-2DD3-D7D24FF3029F}"/>
-              </a:ext>
-            </a:extLst>
-          </p:cNvPr>
-          <p:cNvSpPr txBox="1"/>
-          <p:nvPr/>
-        </p:nvSpPr>
-        <p:spPr>
-          <a:xfrm>
-            <a:off x="11636187" y="89647"/>
-            <a:ext cx="367554" cy="307777"/>
-          </a:xfrm>
-          <a:prstGeom prst="rect">
-            <a:avLst/>
-          </a:prstGeom>
-          <a:noFill/>
-        </p:spPr>
-        <p:txBody>
-          <a:bodyPr wrap="square" rtlCol="0">
-            <a:spAutoFit/>
-          </a:bodyPr>
-          <a:lstStyle/>
-          <a:p>
-            <a:pPr algn="ctr"/>
-            <a:r>
-              <a:rPr lang="en-US" sz="1400" dirty="0">
-                <a:solidFill>
-                  <a:srgbClr val="FFC000"/>
-                </a:solidFill>
-              </a:rPr>
-              <a:t>10</a:t>
-            </a:r>
-            <a:endParaRPr lang="en-IN" sz="1400" dirty="0">
-              <a:solidFill>
-                <a:srgbClr val="FFC000"/>
-              </a:solidFill>
-            </a:endParaRPr>
+          <p:cNvSpPr>
+            <a:spLocks noGrp="1"/>
+          </p:cNvSpPr>
+          <p:nvPr>
+            <p:ph idx="1"/>
+          </p:nvPr>
+        </p:nvSpPr>
+        <p:spPr/>
+        <p:txBody>
+          <a:bodyPr/>
+          <a:lstStyle/>
+          <a:p>
+            <a:endParaRPr lang="en-IN"/>
           </a:p>
         </p:txBody>
       </p:sp>
     </p:spTree>
     <p:extLst>
       <p:ext uri="{BB962C8B-B14F-4D97-AF65-F5344CB8AC3E}">
-        <p14:creationId xmlns:p14="http://schemas.microsoft.com/office/powerpoint/2010/main" val="95790321"/>
+        <p14:creationId xmlns:p14="http://schemas.microsoft.com/office/powerpoint/2010/main" val="3073290058"/>
       </p:ext>
     </p:extLst>
   </p:cSld>
@@ -7467,7 +7340,7 @@
           <p:cNvPr id="4" name="TextBox 3">
             <a:extLst>
               <a:ext uri="{FF2B5EF4-FFF2-40B4-BE49-F238E27FC236}">
-                <a16:creationId xmlns:a16="http://schemas.microsoft.com/office/drawing/2014/main" id="{FDA8DD91-65BE-E9CF-66D7-EE0481A4CF28}"/>
+                <a16:creationId xmlns:a16="http://schemas.microsoft.com/office/drawing/2014/main" id="{1384A3D3-8A0A-134B-CFE2-E8F1877C18C4}"/>
               </a:ext>
             </a:extLst>
           </p:cNvPr>
@@ -7476,8 +7349,8 @@
         </p:nvSpPr>
         <p:spPr>
           <a:xfrm>
-            <a:off x="591671" y="928923"/>
-            <a:ext cx="2856514" cy="3879566"/>
+            <a:off x="762001" y="745549"/>
+            <a:ext cx="11026588" cy="1988365"/>
           </a:xfrm>
           <a:prstGeom prst="rect">
             <a:avLst/>
@@ -7491,720 +7364,86 @@
           <a:lstStyle/>
           <a:p>
             <a:r>
-              <a:rPr kumimoji="0" lang="en-US" altLang="en-US" sz="1050" b="0" i="0" u="none" strike="noStrike" cap="none" normalizeH="0" baseline="0" dirty="0">
-                <a:ln>
-                  <a:noFill/>
-                </a:ln>
-                <a:solidFill>
-                  <a:srgbClr val="FFFFFF"/>
-                </a:solidFill>
-                <a:effectLst/>
-                <a:latin typeface="Arial Unicode MS"/>
-              </a:rPr>
-              <a:t>"Given a prompt that will be used to generate an image, plan the layout of visual text for the image. The size of the image is 128x128. Therefore, all properties of the positions should not exceed 128, including the coordinates of top, left, right, and bottom. All keywords are included in the caption. You </a:t>
-            </a:r>
-            <a:r>
-              <a:rPr kumimoji="0" lang="en-US" altLang="en-US" sz="1050" b="0" i="0" u="none" strike="noStrike" cap="none" normalizeH="0" baseline="0" dirty="0" err="1">
-                <a:ln>
-                  <a:noFill/>
-                </a:ln>
-                <a:solidFill>
-                  <a:srgbClr val="FFFFFF"/>
-                </a:solidFill>
-                <a:effectLst/>
-                <a:latin typeface="Arial Unicode MS"/>
-              </a:rPr>
-              <a:t>dont</a:t>
-            </a:r>
-            <a:r>
-              <a:rPr kumimoji="0" lang="en-US" altLang="en-US" sz="1050" b="0" i="0" u="none" strike="noStrike" cap="none" normalizeH="0" baseline="0" dirty="0">
-                <a:ln>
-                  <a:noFill/>
-                </a:ln>
-                <a:solidFill>
-                  <a:srgbClr val="FFFFFF"/>
-                </a:solidFill>
-                <a:effectLst/>
-                <a:latin typeface="Arial Unicode MS"/>
-              </a:rPr>
-              <a:t> need to specify the details of font styles. At each line, the format should be keyword left, top, right, bottom. So let us begin. Prompt: Double Layer Pumpkin Cheesecake Pie | Pumpkin Cheesecake | Pumpkin Dessert | Double layer pumpkin cheesecake pie has two layers of pumpkin cheesecake inside a convenient store-bought graham cracker crust. This is an easy cheesecake recipe that even beginners can make. Top with some fresh whipped cream for the ultimate Fall dessert or add it to your Thanksgiving dessert table. #pumpkin #pumpkinrecipes #pumpkinspice #cheesecake #dessert #easydessertrecipes #recipeoftheday"</a:t>
-            </a:r>
-            <a:endParaRPr lang="en-IN" sz="1050" dirty="0"/>
-          </a:p>
-        </p:txBody>
-      </p:sp>
-      <p:sp>
-        <p:nvSpPr>
-          <p:cNvPr id="6" name="TextBox 5">
-            <a:extLst>
-              <a:ext uri="{FF2B5EF4-FFF2-40B4-BE49-F238E27FC236}">
-                <a16:creationId xmlns:a16="http://schemas.microsoft.com/office/drawing/2014/main" id="{9DDC2D63-D5AC-2370-E9A3-52D82491E086}"/>
-              </a:ext>
-            </a:extLst>
-          </p:cNvPr>
-          <p:cNvSpPr txBox="1"/>
-          <p:nvPr/>
-        </p:nvSpPr>
-        <p:spPr>
-          <a:xfrm>
-            <a:off x="5226422" y="1550894"/>
-            <a:ext cx="3451413" cy="523220"/>
-          </a:xfrm>
-          <a:prstGeom prst="rect">
-            <a:avLst/>
-          </a:prstGeom>
-          <a:noFill/>
-        </p:spPr>
-        <p:txBody>
-          <a:bodyPr wrap="square" rtlCol="0">
-            <a:spAutoFit/>
-          </a:bodyPr>
-          <a:lstStyle/>
-          <a:p>
-            <a:r>
-              <a:rPr kumimoji="0" lang="en-US" altLang="en-US" sz="1400" b="0" i="0" u="none" strike="noStrike" cap="none" normalizeH="0" baseline="0" dirty="0">
-                <a:ln>
-                  <a:noFill/>
-                </a:ln>
-                <a:solidFill>
-                  <a:srgbClr val="FFFFFF"/>
-                </a:solidFill>
-                <a:effectLst/>
-                <a:latin typeface="Arial Unicode MS"/>
-              </a:rPr>
-              <a:t>"PUMPKIN 8,55,</a:t>
-            </a:r>
-          </a:p>
-          <a:p>
-            <a:r>
-              <a:rPr kumimoji="0" lang="en-US" altLang="en-US" sz="1400" b="0" i="0" u="none" strike="noStrike" cap="none" normalizeH="0" baseline="0" dirty="0">
-                <a:ln>
-                  <a:noFill/>
-                </a:ln>
-                <a:solidFill>
-                  <a:srgbClr val="FFFFFF"/>
-                </a:solidFill>
-                <a:effectLst/>
-                <a:latin typeface="Arial Unicode MS"/>
-              </a:rPr>
-              <a:t>cheesecake pie 65,126"</a:t>
-            </a:r>
-            <a:endParaRPr lang="en-IN" sz="1400" dirty="0"/>
-          </a:p>
-        </p:txBody>
-      </p:sp>
-      <p:sp>
-        <p:nvSpPr>
-          <p:cNvPr id="7" name="TextBox 6">
-            <a:extLst>
-              <a:ext uri="{FF2B5EF4-FFF2-40B4-BE49-F238E27FC236}">
-                <a16:creationId xmlns:a16="http://schemas.microsoft.com/office/drawing/2014/main" id="{1C5377DB-0496-0F4D-C173-63B8B5EA711A}"/>
-              </a:ext>
-            </a:extLst>
-          </p:cNvPr>
-          <p:cNvSpPr txBox="1"/>
-          <p:nvPr/>
-        </p:nvSpPr>
-        <p:spPr>
-          <a:xfrm>
-            <a:off x="591671" y="412376"/>
-            <a:ext cx="2429435" cy="369332"/>
-          </a:xfrm>
-          <a:prstGeom prst="rect">
-            <a:avLst/>
-          </a:prstGeom>
-          <a:noFill/>
-        </p:spPr>
-        <p:txBody>
-          <a:bodyPr wrap="square" rtlCol="0">
-            <a:spAutoFit/>
-          </a:bodyPr>
-          <a:lstStyle/>
-          <a:p>
-            <a:pPr marL="285750" indent="-285750">
+              <a:rPr lang="en-US" b="1" i="1" dirty="0">
+                <a:solidFill>
+                  <a:srgbClr val="FFC000"/>
+                </a:solidFill>
+                <a:latin typeface="Cascadia Code SemiLight" panose="020B0609020000020004" pitchFamily="49" charset="0"/>
+                <a:ea typeface="Cascadia Code SemiLight" panose="020B0609020000020004" pitchFamily="49" charset="0"/>
+                <a:cs typeface="Cascadia Code SemiLight" panose="020B0609020000020004" pitchFamily="49" charset="0"/>
+              </a:rPr>
+              <a:t>Text to Layout model </a:t>
+            </a:r>
+            <a:r>
+              <a:rPr lang="en-IN" b="1" i="1" dirty="0">
+                <a:solidFill>
+                  <a:srgbClr val="FFC000"/>
+                </a:solidFill>
+                <a:latin typeface="Cascadia Code SemiLight" panose="020B0609020000020004" pitchFamily="49" charset="0"/>
+                <a:ea typeface="Cascadia Code SemiLight" panose="020B0609020000020004" pitchFamily="49" charset="0"/>
+                <a:cs typeface="Cascadia Code SemiLight" panose="020B0609020000020004" pitchFamily="49" charset="0"/>
+              </a:rPr>
+              <a:t>:</a:t>
+            </a:r>
+            <a:r>
+              <a:rPr lang="en-US" b="1" i="1" dirty="0">
+                <a:solidFill>
+                  <a:srgbClr val="FFC000"/>
+                </a:solidFill>
+                <a:latin typeface="Cascadia Code SemiLight" panose="020B0609020000020004" pitchFamily="49" charset="0"/>
+                <a:ea typeface="Cascadia Code SemiLight" panose="020B0609020000020004" pitchFamily="49" charset="0"/>
+                <a:cs typeface="Cascadia Code SemiLight" panose="020B0609020000020004" pitchFamily="49" charset="0"/>
+              </a:rPr>
+              <a:t>	</a:t>
+            </a:r>
+          </a:p>
+          <a:p>
+            <a:pPr marL="742950" lvl="1" indent="-285750">
+              <a:lnSpc>
+                <a:spcPct val="150000"/>
+              </a:lnSpc>
               <a:buFont typeface="Wingdings" panose="05000000000000000000" pitchFamily="2" charset="2"/>
               <a:buChar char="Ø"/>
             </a:pPr>
             <a:r>
+              <a:rPr lang="en-IN" dirty="0"/>
+              <a:t>Diffusion models are good for generating images .But those models face challenges to create visual texts.</a:t>
+            </a:r>
+          </a:p>
+          <a:p>
+            <a:pPr marL="742950" lvl="1" indent="-285750">
+              <a:lnSpc>
+                <a:spcPct val="150000"/>
+              </a:lnSpc>
+              <a:buFont typeface="Wingdings" panose="05000000000000000000" pitchFamily="2" charset="2"/>
+              <a:buChar char="Ø"/>
+            </a:pPr>
+            <a:r>
               <a:rPr lang="en-US" dirty="0"/>
-              <a:t>Example : </a:t>
-            </a:r>
-            <a:endParaRPr lang="en-IN" dirty="0"/>
-          </a:p>
-        </p:txBody>
-      </p:sp>
-      <p:cxnSp>
-        <p:nvCxnSpPr>
-          <p:cNvPr id="8" name="Straight Arrow Connector 7">
-            <a:extLst>
-              <a:ext uri="{FF2B5EF4-FFF2-40B4-BE49-F238E27FC236}">
-                <a16:creationId xmlns:a16="http://schemas.microsoft.com/office/drawing/2014/main" id="{81DD7705-3125-331B-A248-E0021397D71D}"/>
-              </a:ext>
-            </a:extLst>
-          </p:cNvPr>
-          <p:cNvCxnSpPr>
-            <a:cxnSpLocks/>
-          </p:cNvCxnSpPr>
-          <p:nvPr/>
-        </p:nvCxnSpPr>
-        <p:spPr>
-          <a:xfrm>
-            <a:off x="3514165" y="1909481"/>
-            <a:ext cx="1371600" cy="0"/>
-          </a:xfrm>
-          <a:prstGeom prst="straightConnector1">
-            <a:avLst/>
-          </a:prstGeom>
-          <a:ln>
-            <a:solidFill>
-              <a:schemeClr val="bg1">
-                <a:lumMod val="50000"/>
-                <a:lumOff val="50000"/>
-              </a:schemeClr>
-            </a:solidFill>
-            <a:tailEnd type="triangle"/>
-          </a:ln>
-        </p:spPr>
-        <p:style>
-          <a:lnRef idx="3">
-            <a:schemeClr val="accent3"/>
-          </a:lnRef>
-          <a:fillRef idx="0">
-            <a:schemeClr val="accent3"/>
-          </a:fillRef>
-          <a:effectRef idx="2">
-            <a:schemeClr val="accent3"/>
-          </a:effectRef>
-          <a:fontRef idx="minor">
-            <a:schemeClr val="tx1"/>
-          </a:fontRef>
-        </p:style>
-      </p:cxnSp>
-      <p:sp>
-        <p:nvSpPr>
-          <p:cNvPr id="10" name="TextBox 9">
-            <a:extLst>
-              <a:ext uri="{FF2B5EF4-FFF2-40B4-BE49-F238E27FC236}">
-                <a16:creationId xmlns:a16="http://schemas.microsoft.com/office/drawing/2014/main" id="{8D5CCD62-752B-E7E1-7096-50A36C50FB42}"/>
-              </a:ext>
-            </a:extLst>
-          </p:cNvPr>
-          <p:cNvSpPr txBox="1"/>
-          <p:nvPr/>
-        </p:nvSpPr>
-        <p:spPr>
-          <a:xfrm>
-            <a:off x="3546796" y="1550894"/>
-            <a:ext cx="1075765" cy="369332"/>
-          </a:xfrm>
-          <a:prstGeom prst="rect">
-            <a:avLst/>
-          </a:prstGeom>
-          <a:noFill/>
-        </p:spPr>
-        <p:txBody>
-          <a:bodyPr wrap="square" rtlCol="0">
-            <a:spAutoFit/>
-          </a:bodyPr>
-          <a:lstStyle/>
-          <a:p>
-            <a:pPr algn="ctr"/>
+              <a:t>TextDiffuser-2, is such model which aims to unleash the power of language models for text rendering.</a:t>
+            </a:r>
+          </a:p>
+          <a:p>
+            <a:pPr marL="742950" lvl="1" indent="-285750">
+              <a:lnSpc>
+                <a:spcPct val="150000"/>
+              </a:lnSpc>
+              <a:buFont typeface="Wingdings" panose="05000000000000000000" pitchFamily="2" charset="2"/>
+              <a:buChar char="Ø"/>
+            </a:pPr>
             <a:r>
               <a:rPr lang="en-US" dirty="0"/>
-              <a:t>GPT</a:t>
-            </a:r>
-            <a:endParaRPr lang="en-IN" dirty="0"/>
-          </a:p>
-        </p:txBody>
-      </p:sp>
-      <p:sp>
-        <p:nvSpPr>
-          <p:cNvPr id="11" name="Rectangle: Rounded Corners 10">
-            <a:extLst>
-              <a:ext uri="{FF2B5EF4-FFF2-40B4-BE49-F238E27FC236}">
-                <a16:creationId xmlns:a16="http://schemas.microsoft.com/office/drawing/2014/main" id="{80011A17-9D6E-6D0E-FBD5-830A9F52CFD6}"/>
-              </a:ext>
-            </a:extLst>
-          </p:cNvPr>
-          <p:cNvSpPr/>
-          <p:nvPr/>
-        </p:nvSpPr>
-        <p:spPr>
-          <a:xfrm>
-            <a:off x="554556" y="851647"/>
-            <a:ext cx="2856514" cy="3991700"/>
-          </a:xfrm>
-          <a:prstGeom prst="roundRect">
-            <a:avLst>
-              <a:gd name="adj" fmla="val 11332"/>
-            </a:avLst>
-          </a:prstGeom>
-          <a:noFill/>
-          <a:ln>
-            <a:solidFill>
-              <a:schemeClr val="accent1"/>
-            </a:solidFill>
-          </a:ln>
-        </p:spPr>
-        <p:style>
-          <a:lnRef idx="2">
-            <a:schemeClr val="accent1">
-              <a:shade val="15000"/>
-            </a:schemeClr>
-          </a:lnRef>
-          <a:fillRef idx="1">
-            <a:schemeClr val="accent1"/>
-          </a:fillRef>
-          <a:effectRef idx="0">
-            <a:schemeClr val="accent1"/>
-          </a:effectRef>
-          <a:fontRef idx="minor">
-            <a:schemeClr val="lt1"/>
-          </a:fontRef>
-        </p:style>
-        <p:txBody>
-          <a:bodyPr rtlCol="0" anchor="ctr"/>
-          <a:lstStyle/>
-          <a:p>
-            <a:pPr algn="ctr"/>
-            <a:endParaRPr lang="en-IN"/>
-          </a:p>
-        </p:txBody>
-      </p:sp>
-      <p:sp>
-        <p:nvSpPr>
-          <p:cNvPr id="12" name="Rectangle: Rounded Corners 11">
-            <a:extLst>
-              <a:ext uri="{FF2B5EF4-FFF2-40B4-BE49-F238E27FC236}">
-                <a16:creationId xmlns:a16="http://schemas.microsoft.com/office/drawing/2014/main" id="{F450BA25-6C22-34F1-B405-8111C452C21F}"/>
-              </a:ext>
-            </a:extLst>
-          </p:cNvPr>
-          <p:cNvSpPr/>
-          <p:nvPr/>
-        </p:nvSpPr>
-        <p:spPr>
-          <a:xfrm>
-            <a:off x="5056093" y="1433150"/>
-            <a:ext cx="2447366" cy="718376"/>
-          </a:xfrm>
-          <a:prstGeom prst="roundRect">
-            <a:avLst>
-              <a:gd name="adj" fmla="val 11332"/>
-            </a:avLst>
-          </a:prstGeom>
-          <a:noFill/>
-          <a:ln>
-            <a:solidFill>
-              <a:schemeClr val="accent1"/>
-            </a:solidFill>
-          </a:ln>
-        </p:spPr>
-        <p:style>
-          <a:lnRef idx="2">
-            <a:schemeClr val="accent1">
-              <a:shade val="15000"/>
-            </a:schemeClr>
-          </a:lnRef>
-          <a:fillRef idx="1">
-            <a:schemeClr val="accent1"/>
-          </a:fillRef>
-          <a:effectRef idx="0">
-            <a:schemeClr val="accent1"/>
-          </a:effectRef>
-          <a:fontRef idx="minor">
-            <a:schemeClr val="lt1"/>
-          </a:fontRef>
-        </p:style>
-        <p:txBody>
-          <a:bodyPr rtlCol="0" anchor="ctr"/>
-          <a:lstStyle/>
-          <a:p>
-            <a:pPr algn="ctr"/>
-            <a:endParaRPr lang="en-IN"/>
-          </a:p>
-        </p:txBody>
-      </p:sp>
-      <p:sp>
-        <p:nvSpPr>
-          <p:cNvPr id="13" name="Rectangle 12">
-            <a:extLst>
-              <a:ext uri="{FF2B5EF4-FFF2-40B4-BE49-F238E27FC236}">
-                <a16:creationId xmlns:a16="http://schemas.microsoft.com/office/drawing/2014/main" id="{59BD8F36-5586-8D04-657C-47352EBB03C2}"/>
-              </a:ext>
-            </a:extLst>
-          </p:cNvPr>
-          <p:cNvSpPr/>
-          <p:nvPr/>
-        </p:nvSpPr>
-        <p:spPr>
-          <a:xfrm>
-            <a:off x="9196532" y="1131332"/>
-            <a:ext cx="1837764" cy="1577788"/>
-          </a:xfrm>
-          <a:prstGeom prst="rect">
-            <a:avLst/>
-          </a:prstGeom>
-          <a:solidFill>
-            <a:schemeClr val="tx1"/>
-          </a:solidFill>
-        </p:spPr>
-        <p:style>
-          <a:lnRef idx="2">
-            <a:schemeClr val="accent1">
-              <a:shade val="15000"/>
-            </a:schemeClr>
-          </a:lnRef>
-          <a:fillRef idx="1">
-            <a:schemeClr val="accent1"/>
-          </a:fillRef>
-          <a:effectRef idx="0">
-            <a:schemeClr val="accent1"/>
-          </a:effectRef>
-          <a:fontRef idx="minor">
-            <a:schemeClr val="lt1"/>
-          </a:fontRef>
-        </p:style>
-        <p:txBody>
-          <a:bodyPr rtlCol="0" anchor="ctr"/>
-          <a:lstStyle/>
-          <a:p>
-            <a:pPr algn="ctr"/>
-            <a:endParaRPr lang="en-IN" dirty="0"/>
-          </a:p>
-        </p:txBody>
-      </p:sp>
-      <p:sp>
-        <p:nvSpPr>
-          <p:cNvPr id="14" name="TextBox 13">
-            <a:extLst>
-              <a:ext uri="{FF2B5EF4-FFF2-40B4-BE49-F238E27FC236}">
-                <a16:creationId xmlns:a16="http://schemas.microsoft.com/office/drawing/2014/main" id="{52386C54-AD31-47E2-0208-D131A05305FF}"/>
-              </a:ext>
-            </a:extLst>
-          </p:cNvPr>
-          <p:cNvSpPr txBox="1"/>
-          <p:nvPr/>
-        </p:nvSpPr>
-        <p:spPr>
-          <a:xfrm>
-            <a:off x="9323294" y="1228165"/>
-            <a:ext cx="1299882" cy="253916"/>
-          </a:xfrm>
-          <a:prstGeom prst="rect">
-            <a:avLst/>
-          </a:prstGeom>
-          <a:noFill/>
-        </p:spPr>
-        <p:txBody>
-          <a:bodyPr wrap="square" rtlCol="0">
-            <a:spAutoFit/>
-          </a:bodyPr>
-          <a:lstStyle/>
-          <a:p>
-            <a:r>
-              <a:rPr lang="en-US" sz="1050" dirty="0">
-                <a:solidFill>
-                  <a:schemeClr val="bg1"/>
-                </a:solidFill>
-              </a:rPr>
-              <a:t>PUMPKIN</a:t>
-            </a:r>
-            <a:endParaRPr lang="en-IN" sz="1050" dirty="0">
-              <a:solidFill>
-                <a:schemeClr val="bg1"/>
-              </a:solidFill>
-            </a:endParaRPr>
-          </a:p>
-        </p:txBody>
-      </p:sp>
-      <p:sp>
-        <p:nvSpPr>
-          <p:cNvPr id="15" name="TextBox 14">
-            <a:extLst>
-              <a:ext uri="{FF2B5EF4-FFF2-40B4-BE49-F238E27FC236}">
-                <a16:creationId xmlns:a16="http://schemas.microsoft.com/office/drawing/2014/main" id="{B14EA254-4150-EE2B-42A3-72B72F68B39F}"/>
-              </a:ext>
-            </a:extLst>
-          </p:cNvPr>
-          <p:cNvSpPr txBox="1"/>
-          <p:nvPr/>
-        </p:nvSpPr>
-        <p:spPr>
-          <a:xfrm>
-            <a:off x="9874623" y="2151526"/>
-            <a:ext cx="1299882" cy="400110"/>
-          </a:xfrm>
-          <a:prstGeom prst="rect">
-            <a:avLst/>
-          </a:prstGeom>
-          <a:noFill/>
-        </p:spPr>
-        <p:txBody>
-          <a:bodyPr wrap="square" rtlCol="0">
-            <a:spAutoFit/>
-          </a:bodyPr>
-          <a:lstStyle/>
-          <a:p>
-            <a:pPr algn="ctr"/>
-            <a:r>
-              <a:rPr lang="en-US" sz="1000" b="0" i="0" kern="1200" baseline="0" dirty="0">
-                <a:ln>
-                  <a:noFill/>
-                </a:ln>
-                <a:solidFill>
-                  <a:schemeClr val="bg1"/>
-                </a:solidFill>
-                <a:effectLst/>
-                <a:latin typeface="Arial Unicode MS"/>
-                <a:ea typeface="+mn-ea"/>
-                <a:cs typeface="+mn-cs"/>
-              </a:rPr>
-              <a:t>cheesecake </a:t>
-            </a:r>
-          </a:p>
-          <a:p>
-            <a:pPr algn="ctr"/>
-            <a:r>
-              <a:rPr lang="en-US" sz="1000" b="0" i="0" kern="1200" baseline="0" dirty="0">
-                <a:ln>
-                  <a:noFill/>
-                </a:ln>
-                <a:solidFill>
-                  <a:schemeClr val="bg1"/>
-                </a:solidFill>
-                <a:effectLst/>
-                <a:latin typeface="Arial Unicode MS"/>
-                <a:ea typeface="+mn-ea"/>
-                <a:cs typeface="+mn-cs"/>
-              </a:rPr>
-              <a:t>pie </a:t>
-            </a:r>
-            <a:endParaRPr lang="en-IN" sz="1000" dirty="0">
-              <a:solidFill>
-                <a:schemeClr val="bg1"/>
-              </a:solidFill>
-            </a:endParaRPr>
-          </a:p>
-        </p:txBody>
-      </p:sp>
-      <p:cxnSp>
-        <p:nvCxnSpPr>
-          <p:cNvPr id="18" name="Straight Arrow Connector 17">
-            <a:extLst>
-              <a:ext uri="{FF2B5EF4-FFF2-40B4-BE49-F238E27FC236}">
-                <a16:creationId xmlns:a16="http://schemas.microsoft.com/office/drawing/2014/main" id="{52C84ED4-CA46-339D-4B92-49E4452F5B50}"/>
-              </a:ext>
-            </a:extLst>
-          </p:cNvPr>
-          <p:cNvCxnSpPr>
-            <a:cxnSpLocks/>
-          </p:cNvCxnSpPr>
-          <p:nvPr/>
-        </p:nvCxnSpPr>
-        <p:spPr>
-          <a:xfrm>
-            <a:off x="7709648" y="1839542"/>
-            <a:ext cx="1371600" cy="0"/>
-          </a:xfrm>
-          <a:prstGeom prst="straightConnector1">
-            <a:avLst/>
-          </a:prstGeom>
-          <a:ln>
-            <a:solidFill>
-              <a:schemeClr val="bg1">
-                <a:lumMod val="50000"/>
-                <a:lumOff val="50000"/>
-              </a:schemeClr>
-            </a:solidFill>
-            <a:tailEnd type="triangle"/>
-          </a:ln>
-        </p:spPr>
-        <p:style>
-          <a:lnRef idx="3">
-            <a:schemeClr val="accent3"/>
-          </a:lnRef>
-          <a:fillRef idx="0">
-            <a:schemeClr val="accent3"/>
-          </a:fillRef>
-          <a:effectRef idx="2">
-            <a:schemeClr val="accent3"/>
-          </a:effectRef>
-          <a:fontRef idx="minor">
-            <a:schemeClr val="tx1"/>
-          </a:fontRef>
-        </p:style>
-      </p:cxnSp>
-      <p:cxnSp>
-        <p:nvCxnSpPr>
-          <p:cNvPr id="19" name="Straight Arrow Connector 18">
-            <a:extLst>
-              <a:ext uri="{FF2B5EF4-FFF2-40B4-BE49-F238E27FC236}">
-                <a16:creationId xmlns:a16="http://schemas.microsoft.com/office/drawing/2014/main" id="{DBE7038E-7F80-A5F9-BB33-2993B3C6B7EA}"/>
-              </a:ext>
-            </a:extLst>
-          </p:cNvPr>
-          <p:cNvCxnSpPr>
-            <a:cxnSpLocks/>
-          </p:cNvCxnSpPr>
-          <p:nvPr/>
-        </p:nvCxnSpPr>
-        <p:spPr>
-          <a:xfrm>
-            <a:off x="10115414" y="2709120"/>
-            <a:ext cx="0" cy="1333962"/>
-          </a:xfrm>
-          <a:prstGeom prst="straightConnector1">
-            <a:avLst/>
-          </a:prstGeom>
-          <a:ln>
-            <a:solidFill>
-              <a:schemeClr val="bg1">
-                <a:lumMod val="50000"/>
-                <a:lumOff val="50000"/>
-              </a:schemeClr>
-            </a:solidFill>
-            <a:tailEnd type="triangle"/>
-          </a:ln>
-        </p:spPr>
-        <p:style>
-          <a:lnRef idx="3">
-            <a:schemeClr val="accent3"/>
-          </a:lnRef>
-          <a:fillRef idx="0">
-            <a:schemeClr val="accent3"/>
-          </a:fillRef>
-          <a:effectRef idx="2">
-            <a:schemeClr val="accent3"/>
-          </a:effectRef>
-          <a:fontRef idx="minor">
-            <a:schemeClr val="tx1"/>
-          </a:fontRef>
-        </p:style>
-      </p:cxnSp>
-      <p:sp>
-        <p:nvSpPr>
-          <p:cNvPr id="21" name="TextBox 20">
-            <a:extLst>
-              <a:ext uri="{FF2B5EF4-FFF2-40B4-BE49-F238E27FC236}">
-                <a16:creationId xmlns:a16="http://schemas.microsoft.com/office/drawing/2014/main" id="{7245C607-42C0-9320-C1A1-BEF1A31405EA}"/>
-              </a:ext>
-            </a:extLst>
-          </p:cNvPr>
-          <p:cNvSpPr txBox="1"/>
-          <p:nvPr/>
-        </p:nvSpPr>
-        <p:spPr>
-          <a:xfrm>
-            <a:off x="10114151" y="3191435"/>
-            <a:ext cx="1299881" cy="369332"/>
-          </a:xfrm>
-          <a:prstGeom prst="rect">
-            <a:avLst/>
-          </a:prstGeom>
-          <a:noFill/>
-        </p:spPr>
-        <p:txBody>
-          <a:bodyPr wrap="square" rtlCol="0">
-            <a:spAutoFit/>
-          </a:bodyPr>
-          <a:lstStyle/>
-          <a:p>
-            <a:r>
-              <a:rPr lang="en-US" dirty="0"/>
-              <a:t>Diffusion</a:t>
-            </a:r>
-            <a:endParaRPr lang="en-IN" dirty="0"/>
-          </a:p>
-        </p:txBody>
-      </p:sp>
-      <p:sp>
-        <p:nvSpPr>
-          <p:cNvPr id="22" name="TextBox 21">
-            <a:extLst>
-              <a:ext uri="{FF2B5EF4-FFF2-40B4-BE49-F238E27FC236}">
-                <a16:creationId xmlns:a16="http://schemas.microsoft.com/office/drawing/2014/main" id="{87973542-442E-C077-2C61-19A8E17F60EB}"/>
-              </a:ext>
-            </a:extLst>
-          </p:cNvPr>
-          <p:cNvSpPr txBox="1"/>
-          <p:nvPr/>
-        </p:nvSpPr>
-        <p:spPr>
-          <a:xfrm>
-            <a:off x="9466728" y="4159624"/>
-            <a:ext cx="1837759" cy="369332"/>
-          </a:xfrm>
-          <a:prstGeom prst="rect">
-            <a:avLst/>
-          </a:prstGeom>
-          <a:noFill/>
-        </p:spPr>
-        <p:txBody>
-          <a:bodyPr wrap="square" rtlCol="0">
-            <a:spAutoFit/>
-          </a:bodyPr>
-          <a:lstStyle/>
-          <a:p>
-            <a:r>
-              <a:rPr lang="en-US" dirty="0"/>
-              <a:t>Image with text</a:t>
-            </a:r>
-            <a:endParaRPr lang="en-IN" dirty="0"/>
-          </a:p>
-        </p:txBody>
-      </p:sp>
-      <p:sp>
-        <p:nvSpPr>
-          <p:cNvPr id="3" name="TextBox 2">
-            <a:extLst>
-              <a:ext uri="{FF2B5EF4-FFF2-40B4-BE49-F238E27FC236}">
-                <a16:creationId xmlns:a16="http://schemas.microsoft.com/office/drawing/2014/main" id="{FC7BDDFA-6DBB-D042-7810-66DA14098636}"/>
-              </a:ext>
-            </a:extLst>
-          </p:cNvPr>
-          <p:cNvSpPr txBox="1"/>
-          <p:nvPr/>
-        </p:nvSpPr>
-        <p:spPr>
-          <a:xfrm>
-            <a:off x="11636187" y="89647"/>
-            <a:ext cx="367554" cy="307777"/>
-          </a:xfrm>
-          <a:prstGeom prst="rect">
-            <a:avLst/>
-          </a:prstGeom>
-          <a:noFill/>
-        </p:spPr>
-        <p:txBody>
-          <a:bodyPr wrap="square" rtlCol="0">
-            <a:spAutoFit/>
-          </a:bodyPr>
-          <a:lstStyle/>
-          <a:p>
-            <a:pPr algn="ctr"/>
-            <a:r>
-              <a:rPr lang="en-US" sz="1400" dirty="0">
-                <a:solidFill>
-                  <a:srgbClr val="FFC000"/>
-                </a:solidFill>
-              </a:rPr>
-              <a:t>11</a:t>
-            </a:r>
-            <a:endParaRPr lang="en-IN" sz="1400" dirty="0">
-              <a:solidFill>
-                <a:srgbClr val="FFC000"/>
-              </a:solidFill>
-            </a:endParaRPr>
+              <a:t>It uses two LLM model for layout planning  and layout encoding then uses a diffusion model for generating the image.</a:t>
+            </a:r>
           </a:p>
         </p:txBody>
       </p:sp>
       <p:pic>
         <p:nvPicPr>
-          <p:cNvPr id="5" name="Picture 4">
+          <p:cNvPr id="6" name="Picture 5">
             <a:extLst>
               <a:ext uri="{FF2B5EF4-FFF2-40B4-BE49-F238E27FC236}">
-                <a16:creationId xmlns:a16="http://schemas.microsoft.com/office/drawing/2014/main" id="{D7E30F30-3E96-D8BE-DB3D-5B7B955202B2}"/>
+                <a16:creationId xmlns:a16="http://schemas.microsoft.com/office/drawing/2014/main" id="{0D594F20-E167-3E2A-36C0-0BEFD480A154}"/>
               </a:ext>
             </a:extLst>
           </p:cNvPr>
@@ -8221,18 +7460,63 @@
         </p:blipFill>
         <p:spPr>
           <a:xfrm>
-            <a:off x="8255763" y="4525397"/>
-            <a:ext cx="2714519" cy="1362986"/>
+            <a:off x="1504622" y="3198555"/>
+            <a:ext cx="8716591" cy="2343477"/>
           </a:xfrm>
           <a:prstGeom prst="rect">
             <a:avLst/>
           </a:prstGeom>
         </p:spPr>
       </p:pic>
+      <p:sp>
+        <p:nvSpPr>
+          <p:cNvPr id="14" name="TextBox 13">
+            <a:extLst>
+              <a:ext uri="{FF2B5EF4-FFF2-40B4-BE49-F238E27FC236}">
+                <a16:creationId xmlns:a16="http://schemas.microsoft.com/office/drawing/2014/main" id="{61A102CD-C668-EA4F-2DD3-D7D24FF3029F}"/>
+              </a:ext>
+            </a:extLst>
+          </p:cNvPr>
+          <p:cNvSpPr txBox="1"/>
+          <p:nvPr/>
+        </p:nvSpPr>
+        <p:spPr>
+          <a:xfrm>
+            <a:off x="11636187" y="89647"/>
+            <a:ext cx="367554" cy="307777"/>
+          </a:xfrm>
+          <a:prstGeom prst="rect">
+            <a:avLst/>
+          </a:prstGeom>
+          <a:noFill/>
+        </p:spPr>
+        <p:txBody>
+          <a:bodyPr wrap="square" rtlCol="0">
+            <a:spAutoFit/>
+          </a:bodyPr>
+          <a:lstStyle/>
+          <a:p>
+            <a:pPr algn="ctr"/>
+            <a:r>
+              <a:rPr lang="en-US" sz="1400" dirty="0">
+                <a:solidFill>
+                  <a:srgbClr val="FFC000"/>
+                </a:solidFill>
+              </a:rPr>
+              <a:t>10</a:t>
+            </a:r>
+            <a:endParaRPr lang="en-IN" sz="1400" dirty="0">
+              <a:solidFill>
+                <a:srgbClr val="FFC000"/>
+              </a:solidFill>
+            </a:endParaRPr>
+          </a:p>
+        </p:txBody>
+      </p:sp>
     </p:spTree>
     <p:extLst>
       <p:ext uri="{BB962C8B-B14F-4D97-AF65-F5344CB8AC3E}">
-        <p14:creationId xmlns:p14="http://schemas.microsoft.com/office/powerpoint/2010/main" val="4062957498"/>
+        <p14:creationId xmlns:p14="http://schemas.microsoft.com/office/powerpoint/2010/main" val="95790321"/>
       </p:ext>
     </p:extLst>
   </p:cSld>
@@ -8261,6 +7545,803 @@
       </p:grpSpPr>
       <p:sp>
         <p:nvSpPr>
+          <p:cNvPr id="4" name="TextBox 3">
+            <a:extLst>
+              <a:ext uri="{FF2B5EF4-FFF2-40B4-BE49-F238E27FC236}">
+                <a16:creationId xmlns:a16="http://schemas.microsoft.com/office/drawing/2014/main" id="{FDA8DD91-65BE-E9CF-66D7-EE0481A4CF28}"/>
+              </a:ext>
+            </a:extLst>
+          </p:cNvPr>
+          <p:cNvSpPr txBox="1"/>
+          <p:nvPr/>
+        </p:nvSpPr>
+        <p:spPr>
+          <a:xfrm>
+            <a:off x="591671" y="928923"/>
+            <a:ext cx="2856514" cy="3879566"/>
+          </a:xfrm>
+          <a:prstGeom prst="rect">
+            <a:avLst/>
+          </a:prstGeom>
+          <a:noFill/>
+        </p:spPr>
+        <p:txBody>
+          <a:bodyPr wrap="square" rtlCol="0">
+            <a:spAutoFit/>
+          </a:bodyPr>
+          <a:lstStyle/>
+          <a:p>
+            <a:r>
+              <a:rPr kumimoji="0" lang="en-US" altLang="en-US" sz="1050" b="0" i="0" u="none" strike="noStrike" cap="none" normalizeH="0" baseline="0" dirty="0">
+                <a:ln>
+                  <a:noFill/>
+                </a:ln>
+                <a:solidFill>
+                  <a:srgbClr val="FFFFFF"/>
+                </a:solidFill>
+                <a:effectLst/>
+                <a:latin typeface="Arial Unicode MS"/>
+              </a:rPr>
+              <a:t>"Given a prompt that will be used to generate an image, plan the layout of visual text for the image. The size of the image is 128x128. Therefore, all properties of the positions should not exceed 128, including the coordinates of top, left, right, and bottom. All keywords are included in the caption. You </a:t>
+            </a:r>
+            <a:r>
+              <a:rPr kumimoji="0" lang="en-US" altLang="en-US" sz="1050" b="0" i="0" u="none" strike="noStrike" cap="none" normalizeH="0" baseline="0" dirty="0" err="1">
+                <a:ln>
+                  <a:noFill/>
+                </a:ln>
+                <a:solidFill>
+                  <a:srgbClr val="FFFFFF"/>
+                </a:solidFill>
+                <a:effectLst/>
+                <a:latin typeface="Arial Unicode MS"/>
+              </a:rPr>
+              <a:t>dont</a:t>
+            </a:r>
+            <a:r>
+              <a:rPr kumimoji="0" lang="en-US" altLang="en-US" sz="1050" b="0" i="0" u="none" strike="noStrike" cap="none" normalizeH="0" baseline="0" dirty="0">
+                <a:ln>
+                  <a:noFill/>
+                </a:ln>
+                <a:solidFill>
+                  <a:srgbClr val="FFFFFF"/>
+                </a:solidFill>
+                <a:effectLst/>
+                <a:latin typeface="Arial Unicode MS"/>
+              </a:rPr>
+              <a:t> need to specify the details of font styles. At each line, the format should be keyword left, top, right, bottom. So let us begin. Prompt: Double Layer Pumpkin Cheesecake Pie | Pumpkin Cheesecake | Pumpkin Dessert | Double layer pumpkin cheesecake pie has two layers of pumpkin cheesecake inside a convenient store-bought graham cracker crust. This is an easy cheesecake recipe that even beginners can make. Top with some fresh whipped cream for the ultimate Fall dessert or add it to your Thanksgiving dessert table. #pumpkin #pumpkinrecipes #pumpkinspice #cheesecake #dessert #easydessertrecipes #recipeoftheday"</a:t>
+            </a:r>
+            <a:endParaRPr lang="en-IN" sz="1050" dirty="0"/>
+          </a:p>
+        </p:txBody>
+      </p:sp>
+      <p:sp>
+        <p:nvSpPr>
+          <p:cNvPr id="6" name="TextBox 5">
+            <a:extLst>
+              <a:ext uri="{FF2B5EF4-FFF2-40B4-BE49-F238E27FC236}">
+                <a16:creationId xmlns:a16="http://schemas.microsoft.com/office/drawing/2014/main" id="{9DDC2D63-D5AC-2370-E9A3-52D82491E086}"/>
+              </a:ext>
+            </a:extLst>
+          </p:cNvPr>
+          <p:cNvSpPr txBox="1"/>
+          <p:nvPr/>
+        </p:nvSpPr>
+        <p:spPr>
+          <a:xfrm>
+            <a:off x="5226422" y="1550894"/>
+            <a:ext cx="3451413" cy="523220"/>
+          </a:xfrm>
+          <a:prstGeom prst="rect">
+            <a:avLst/>
+          </a:prstGeom>
+          <a:noFill/>
+        </p:spPr>
+        <p:txBody>
+          <a:bodyPr wrap="square" rtlCol="0">
+            <a:spAutoFit/>
+          </a:bodyPr>
+          <a:lstStyle/>
+          <a:p>
+            <a:r>
+              <a:rPr kumimoji="0" lang="en-US" altLang="en-US" sz="1400" b="0" i="0" u="none" strike="noStrike" cap="none" normalizeH="0" baseline="0" dirty="0">
+                <a:ln>
+                  <a:noFill/>
+                </a:ln>
+                <a:solidFill>
+                  <a:srgbClr val="FFFFFF"/>
+                </a:solidFill>
+                <a:effectLst/>
+                <a:latin typeface="Arial Unicode MS"/>
+              </a:rPr>
+              <a:t>"PUMPKIN 8,55,</a:t>
+            </a:r>
+          </a:p>
+          <a:p>
+            <a:r>
+              <a:rPr kumimoji="0" lang="en-US" altLang="en-US" sz="1400" b="0" i="0" u="none" strike="noStrike" cap="none" normalizeH="0" baseline="0" dirty="0">
+                <a:ln>
+                  <a:noFill/>
+                </a:ln>
+                <a:solidFill>
+                  <a:srgbClr val="FFFFFF"/>
+                </a:solidFill>
+                <a:effectLst/>
+                <a:latin typeface="Arial Unicode MS"/>
+              </a:rPr>
+              <a:t>cheesecake pie 65,126"</a:t>
+            </a:r>
+            <a:endParaRPr lang="en-IN" sz="1400" dirty="0"/>
+          </a:p>
+        </p:txBody>
+      </p:sp>
+      <p:sp>
+        <p:nvSpPr>
+          <p:cNvPr id="7" name="TextBox 6">
+            <a:extLst>
+              <a:ext uri="{FF2B5EF4-FFF2-40B4-BE49-F238E27FC236}">
+                <a16:creationId xmlns:a16="http://schemas.microsoft.com/office/drawing/2014/main" id="{1C5377DB-0496-0F4D-C173-63B8B5EA711A}"/>
+              </a:ext>
+            </a:extLst>
+          </p:cNvPr>
+          <p:cNvSpPr txBox="1"/>
+          <p:nvPr/>
+        </p:nvSpPr>
+        <p:spPr>
+          <a:xfrm>
+            <a:off x="591671" y="412376"/>
+            <a:ext cx="2429435" cy="369332"/>
+          </a:xfrm>
+          <a:prstGeom prst="rect">
+            <a:avLst/>
+          </a:prstGeom>
+          <a:noFill/>
+        </p:spPr>
+        <p:txBody>
+          <a:bodyPr wrap="square" rtlCol="0">
+            <a:spAutoFit/>
+          </a:bodyPr>
+          <a:lstStyle/>
+          <a:p>
+            <a:pPr marL="285750" indent="-285750">
+              <a:buFont typeface="Wingdings" panose="05000000000000000000" pitchFamily="2" charset="2"/>
+              <a:buChar char="Ø"/>
+            </a:pPr>
+            <a:r>
+              <a:rPr lang="en-US" dirty="0"/>
+              <a:t>Example : </a:t>
+            </a:r>
+            <a:endParaRPr lang="en-IN" dirty="0"/>
+          </a:p>
+        </p:txBody>
+      </p:sp>
+      <p:cxnSp>
+        <p:nvCxnSpPr>
+          <p:cNvPr id="8" name="Straight Arrow Connector 7">
+            <a:extLst>
+              <a:ext uri="{FF2B5EF4-FFF2-40B4-BE49-F238E27FC236}">
+                <a16:creationId xmlns:a16="http://schemas.microsoft.com/office/drawing/2014/main" id="{81DD7705-3125-331B-A248-E0021397D71D}"/>
+              </a:ext>
+            </a:extLst>
+          </p:cNvPr>
+          <p:cNvCxnSpPr>
+            <a:cxnSpLocks/>
+          </p:cNvCxnSpPr>
+          <p:nvPr/>
+        </p:nvCxnSpPr>
+        <p:spPr>
+          <a:xfrm>
+            <a:off x="3514165" y="1909481"/>
+            <a:ext cx="1371600" cy="0"/>
+          </a:xfrm>
+          <a:prstGeom prst="straightConnector1">
+            <a:avLst/>
+          </a:prstGeom>
+          <a:ln>
+            <a:solidFill>
+              <a:schemeClr val="bg1">
+                <a:lumMod val="50000"/>
+                <a:lumOff val="50000"/>
+              </a:schemeClr>
+            </a:solidFill>
+            <a:tailEnd type="triangle"/>
+          </a:ln>
+        </p:spPr>
+        <p:style>
+          <a:lnRef idx="3">
+            <a:schemeClr val="accent3"/>
+          </a:lnRef>
+          <a:fillRef idx="0">
+            <a:schemeClr val="accent3"/>
+          </a:fillRef>
+          <a:effectRef idx="2">
+            <a:schemeClr val="accent3"/>
+          </a:effectRef>
+          <a:fontRef idx="minor">
+            <a:schemeClr val="tx1"/>
+          </a:fontRef>
+        </p:style>
+      </p:cxnSp>
+      <p:sp>
+        <p:nvSpPr>
+          <p:cNvPr id="10" name="TextBox 9">
+            <a:extLst>
+              <a:ext uri="{FF2B5EF4-FFF2-40B4-BE49-F238E27FC236}">
+                <a16:creationId xmlns:a16="http://schemas.microsoft.com/office/drawing/2014/main" id="{8D5CCD62-752B-E7E1-7096-50A36C50FB42}"/>
+              </a:ext>
+            </a:extLst>
+          </p:cNvPr>
+          <p:cNvSpPr txBox="1"/>
+          <p:nvPr/>
+        </p:nvSpPr>
+        <p:spPr>
+          <a:xfrm>
+            <a:off x="3546796" y="1550894"/>
+            <a:ext cx="1075765" cy="369332"/>
+          </a:xfrm>
+          <a:prstGeom prst="rect">
+            <a:avLst/>
+          </a:prstGeom>
+          <a:noFill/>
+        </p:spPr>
+        <p:txBody>
+          <a:bodyPr wrap="square" rtlCol="0">
+            <a:spAutoFit/>
+          </a:bodyPr>
+          <a:lstStyle/>
+          <a:p>
+            <a:pPr algn="ctr"/>
+            <a:r>
+              <a:rPr lang="en-US" dirty="0"/>
+              <a:t>GPT</a:t>
+            </a:r>
+            <a:endParaRPr lang="en-IN" dirty="0"/>
+          </a:p>
+        </p:txBody>
+      </p:sp>
+      <p:sp>
+        <p:nvSpPr>
+          <p:cNvPr id="11" name="Rectangle: Rounded Corners 10">
+            <a:extLst>
+              <a:ext uri="{FF2B5EF4-FFF2-40B4-BE49-F238E27FC236}">
+                <a16:creationId xmlns:a16="http://schemas.microsoft.com/office/drawing/2014/main" id="{80011A17-9D6E-6D0E-FBD5-830A9F52CFD6}"/>
+              </a:ext>
+            </a:extLst>
+          </p:cNvPr>
+          <p:cNvSpPr/>
+          <p:nvPr/>
+        </p:nvSpPr>
+        <p:spPr>
+          <a:xfrm>
+            <a:off x="554556" y="851647"/>
+            <a:ext cx="2856514" cy="3991700"/>
+          </a:xfrm>
+          <a:prstGeom prst="roundRect">
+            <a:avLst>
+              <a:gd name="adj" fmla="val 11332"/>
+            </a:avLst>
+          </a:prstGeom>
+          <a:noFill/>
+          <a:ln>
+            <a:solidFill>
+              <a:schemeClr val="accent1"/>
+            </a:solidFill>
+          </a:ln>
+        </p:spPr>
+        <p:style>
+          <a:lnRef idx="2">
+            <a:schemeClr val="accent1">
+              <a:shade val="15000"/>
+            </a:schemeClr>
+          </a:lnRef>
+          <a:fillRef idx="1">
+            <a:schemeClr val="accent1"/>
+          </a:fillRef>
+          <a:effectRef idx="0">
+            <a:schemeClr val="accent1"/>
+          </a:effectRef>
+          <a:fontRef idx="minor">
+            <a:schemeClr val="lt1"/>
+          </a:fontRef>
+        </p:style>
+        <p:txBody>
+          <a:bodyPr rtlCol="0" anchor="ctr"/>
+          <a:lstStyle/>
+          <a:p>
+            <a:pPr algn="ctr"/>
+            <a:endParaRPr lang="en-IN"/>
+          </a:p>
+        </p:txBody>
+      </p:sp>
+      <p:sp>
+        <p:nvSpPr>
+          <p:cNvPr id="12" name="Rectangle: Rounded Corners 11">
+            <a:extLst>
+              <a:ext uri="{FF2B5EF4-FFF2-40B4-BE49-F238E27FC236}">
+                <a16:creationId xmlns:a16="http://schemas.microsoft.com/office/drawing/2014/main" id="{F450BA25-6C22-34F1-B405-8111C452C21F}"/>
+              </a:ext>
+            </a:extLst>
+          </p:cNvPr>
+          <p:cNvSpPr/>
+          <p:nvPr/>
+        </p:nvSpPr>
+        <p:spPr>
+          <a:xfrm>
+            <a:off x="5056093" y="1433150"/>
+            <a:ext cx="2447366" cy="718376"/>
+          </a:xfrm>
+          <a:prstGeom prst="roundRect">
+            <a:avLst>
+              <a:gd name="adj" fmla="val 11332"/>
+            </a:avLst>
+          </a:prstGeom>
+          <a:noFill/>
+          <a:ln>
+            <a:solidFill>
+              <a:schemeClr val="accent1"/>
+            </a:solidFill>
+          </a:ln>
+        </p:spPr>
+        <p:style>
+          <a:lnRef idx="2">
+            <a:schemeClr val="accent1">
+              <a:shade val="15000"/>
+            </a:schemeClr>
+          </a:lnRef>
+          <a:fillRef idx="1">
+            <a:schemeClr val="accent1"/>
+          </a:fillRef>
+          <a:effectRef idx="0">
+            <a:schemeClr val="accent1"/>
+          </a:effectRef>
+          <a:fontRef idx="minor">
+            <a:schemeClr val="lt1"/>
+          </a:fontRef>
+        </p:style>
+        <p:txBody>
+          <a:bodyPr rtlCol="0" anchor="ctr"/>
+          <a:lstStyle/>
+          <a:p>
+            <a:pPr algn="ctr"/>
+            <a:endParaRPr lang="en-IN"/>
+          </a:p>
+        </p:txBody>
+      </p:sp>
+      <p:sp>
+        <p:nvSpPr>
+          <p:cNvPr id="13" name="Rectangle 12">
+            <a:extLst>
+              <a:ext uri="{FF2B5EF4-FFF2-40B4-BE49-F238E27FC236}">
+                <a16:creationId xmlns:a16="http://schemas.microsoft.com/office/drawing/2014/main" id="{59BD8F36-5586-8D04-657C-47352EBB03C2}"/>
+              </a:ext>
+            </a:extLst>
+          </p:cNvPr>
+          <p:cNvSpPr/>
+          <p:nvPr/>
+        </p:nvSpPr>
+        <p:spPr>
+          <a:xfrm>
+            <a:off x="9196532" y="1131332"/>
+            <a:ext cx="1837764" cy="1577788"/>
+          </a:xfrm>
+          <a:prstGeom prst="rect">
+            <a:avLst/>
+          </a:prstGeom>
+          <a:solidFill>
+            <a:schemeClr val="tx1"/>
+          </a:solidFill>
+        </p:spPr>
+        <p:style>
+          <a:lnRef idx="2">
+            <a:schemeClr val="accent1">
+              <a:shade val="15000"/>
+            </a:schemeClr>
+          </a:lnRef>
+          <a:fillRef idx="1">
+            <a:schemeClr val="accent1"/>
+          </a:fillRef>
+          <a:effectRef idx="0">
+            <a:schemeClr val="accent1"/>
+          </a:effectRef>
+          <a:fontRef idx="minor">
+            <a:schemeClr val="lt1"/>
+          </a:fontRef>
+        </p:style>
+        <p:txBody>
+          <a:bodyPr rtlCol="0" anchor="ctr"/>
+          <a:lstStyle/>
+          <a:p>
+            <a:pPr algn="ctr"/>
+            <a:endParaRPr lang="en-IN" dirty="0"/>
+          </a:p>
+        </p:txBody>
+      </p:sp>
+      <p:sp>
+        <p:nvSpPr>
+          <p:cNvPr id="14" name="TextBox 13">
+            <a:extLst>
+              <a:ext uri="{FF2B5EF4-FFF2-40B4-BE49-F238E27FC236}">
+                <a16:creationId xmlns:a16="http://schemas.microsoft.com/office/drawing/2014/main" id="{52386C54-AD31-47E2-0208-D131A05305FF}"/>
+              </a:ext>
+            </a:extLst>
+          </p:cNvPr>
+          <p:cNvSpPr txBox="1"/>
+          <p:nvPr/>
+        </p:nvSpPr>
+        <p:spPr>
+          <a:xfrm>
+            <a:off x="9323294" y="1228165"/>
+            <a:ext cx="1299882" cy="253916"/>
+          </a:xfrm>
+          <a:prstGeom prst="rect">
+            <a:avLst/>
+          </a:prstGeom>
+          <a:noFill/>
+        </p:spPr>
+        <p:txBody>
+          <a:bodyPr wrap="square" rtlCol="0">
+            <a:spAutoFit/>
+          </a:bodyPr>
+          <a:lstStyle/>
+          <a:p>
+            <a:r>
+              <a:rPr lang="en-US" sz="1050" dirty="0">
+                <a:solidFill>
+                  <a:schemeClr val="bg1"/>
+                </a:solidFill>
+              </a:rPr>
+              <a:t>PUMPKIN</a:t>
+            </a:r>
+            <a:endParaRPr lang="en-IN" sz="1050" dirty="0">
+              <a:solidFill>
+                <a:schemeClr val="bg1"/>
+              </a:solidFill>
+            </a:endParaRPr>
+          </a:p>
+        </p:txBody>
+      </p:sp>
+      <p:sp>
+        <p:nvSpPr>
+          <p:cNvPr id="15" name="TextBox 14">
+            <a:extLst>
+              <a:ext uri="{FF2B5EF4-FFF2-40B4-BE49-F238E27FC236}">
+                <a16:creationId xmlns:a16="http://schemas.microsoft.com/office/drawing/2014/main" id="{B14EA254-4150-EE2B-42A3-72B72F68B39F}"/>
+              </a:ext>
+            </a:extLst>
+          </p:cNvPr>
+          <p:cNvSpPr txBox="1"/>
+          <p:nvPr/>
+        </p:nvSpPr>
+        <p:spPr>
+          <a:xfrm>
+            <a:off x="9874623" y="2151526"/>
+            <a:ext cx="1299882" cy="400110"/>
+          </a:xfrm>
+          <a:prstGeom prst="rect">
+            <a:avLst/>
+          </a:prstGeom>
+          <a:noFill/>
+        </p:spPr>
+        <p:txBody>
+          <a:bodyPr wrap="square" rtlCol="0">
+            <a:spAutoFit/>
+          </a:bodyPr>
+          <a:lstStyle/>
+          <a:p>
+            <a:pPr algn="ctr"/>
+            <a:r>
+              <a:rPr lang="en-US" sz="1000" b="0" i="0" kern="1200" baseline="0" dirty="0">
+                <a:ln>
+                  <a:noFill/>
+                </a:ln>
+                <a:solidFill>
+                  <a:schemeClr val="bg1"/>
+                </a:solidFill>
+                <a:effectLst/>
+                <a:latin typeface="Arial Unicode MS"/>
+                <a:ea typeface="+mn-ea"/>
+                <a:cs typeface="+mn-cs"/>
+              </a:rPr>
+              <a:t>cheesecake </a:t>
+            </a:r>
+          </a:p>
+          <a:p>
+            <a:pPr algn="ctr"/>
+            <a:r>
+              <a:rPr lang="en-US" sz="1000" b="0" i="0" kern="1200" baseline="0" dirty="0">
+                <a:ln>
+                  <a:noFill/>
+                </a:ln>
+                <a:solidFill>
+                  <a:schemeClr val="bg1"/>
+                </a:solidFill>
+                <a:effectLst/>
+                <a:latin typeface="Arial Unicode MS"/>
+                <a:ea typeface="+mn-ea"/>
+                <a:cs typeface="+mn-cs"/>
+              </a:rPr>
+              <a:t>pie </a:t>
+            </a:r>
+            <a:endParaRPr lang="en-IN" sz="1000" dirty="0">
+              <a:solidFill>
+                <a:schemeClr val="bg1"/>
+              </a:solidFill>
+            </a:endParaRPr>
+          </a:p>
+        </p:txBody>
+      </p:sp>
+      <p:cxnSp>
+        <p:nvCxnSpPr>
+          <p:cNvPr id="18" name="Straight Arrow Connector 17">
+            <a:extLst>
+              <a:ext uri="{FF2B5EF4-FFF2-40B4-BE49-F238E27FC236}">
+                <a16:creationId xmlns:a16="http://schemas.microsoft.com/office/drawing/2014/main" id="{52C84ED4-CA46-339D-4B92-49E4452F5B50}"/>
+              </a:ext>
+            </a:extLst>
+          </p:cNvPr>
+          <p:cNvCxnSpPr>
+            <a:cxnSpLocks/>
+          </p:cNvCxnSpPr>
+          <p:nvPr/>
+        </p:nvCxnSpPr>
+        <p:spPr>
+          <a:xfrm>
+            <a:off x="7709648" y="1839542"/>
+            <a:ext cx="1371600" cy="0"/>
+          </a:xfrm>
+          <a:prstGeom prst="straightConnector1">
+            <a:avLst/>
+          </a:prstGeom>
+          <a:ln>
+            <a:solidFill>
+              <a:schemeClr val="bg1">
+                <a:lumMod val="50000"/>
+                <a:lumOff val="50000"/>
+              </a:schemeClr>
+            </a:solidFill>
+            <a:tailEnd type="triangle"/>
+          </a:ln>
+        </p:spPr>
+        <p:style>
+          <a:lnRef idx="3">
+            <a:schemeClr val="accent3"/>
+          </a:lnRef>
+          <a:fillRef idx="0">
+            <a:schemeClr val="accent3"/>
+          </a:fillRef>
+          <a:effectRef idx="2">
+            <a:schemeClr val="accent3"/>
+          </a:effectRef>
+          <a:fontRef idx="minor">
+            <a:schemeClr val="tx1"/>
+          </a:fontRef>
+        </p:style>
+      </p:cxnSp>
+      <p:cxnSp>
+        <p:nvCxnSpPr>
+          <p:cNvPr id="19" name="Straight Arrow Connector 18">
+            <a:extLst>
+              <a:ext uri="{FF2B5EF4-FFF2-40B4-BE49-F238E27FC236}">
+                <a16:creationId xmlns:a16="http://schemas.microsoft.com/office/drawing/2014/main" id="{DBE7038E-7F80-A5F9-BB33-2993B3C6B7EA}"/>
+              </a:ext>
+            </a:extLst>
+          </p:cNvPr>
+          <p:cNvCxnSpPr>
+            <a:cxnSpLocks/>
+          </p:cNvCxnSpPr>
+          <p:nvPr/>
+        </p:nvCxnSpPr>
+        <p:spPr>
+          <a:xfrm>
+            <a:off x="10115414" y="2709120"/>
+            <a:ext cx="0" cy="1333962"/>
+          </a:xfrm>
+          <a:prstGeom prst="straightConnector1">
+            <a:avLst/>
+          </a:prstGeom>
+          <a:ln>
+            <a:solidFill>
+              <a:schemeClr val="bg1">
+                <a:lumMod val="50000"/>
+                <a:lumOff val="50000"/>
+              </a:schemeClr>
+            </a:solidFill>
+            <a:tailEnd type="triangle"/>
+          </a:ln>
+        </p:spPr>
+        <p:style>
+          <a:lnRef idx="3">
+            <a:schemeClr val="accent3"/>
+          </a:lnRef>
+          <a:fillRef idx="0">
+            <a:schemeClr val="accent3"/>
+          </a:fillRef>
+          <a:effectRef idx="2">
+            <a:schemeClr val="accent3"/>
+          </a:effectRef>
+          <a:fontRef idx="minor">
+            <a:schemeClr val="tx1"/>
+          </a:fontRef>
+        </p:style>
+      </p:cxnSp>
+      <p:sp>
+        <p:nvSpPr>
+          <p:cNvPr id="21" name="TextBox 20">
+            <a:extLst>
+              <a:ext uri="{FF2B5EF4-FFF2-40B4-BE49-F238E27FC236}">
+                <a16:creationId xmlns:a16="http://schemas.microsoft.com/office/drawing/2014/main" id="{7245C607-42C0-9320-C1A1-BEF1A31405EA}"/>
+              </a:ext>
+            </a:extLst>
+          </p:cNvPr>
+          <p:cNvSpPr txBox="1"/>
+          <p:nvPr/>
+        </p:nvSpPr>
+        <p:spPr>
+          <a:xfrm>
+            <a:off x="10114151" y="3191435"/>
+            <a:ext cx="1299881" cy="369332"/>
+          </a:xfrm>
+          <a:prstGeom prst="rect">
+            <a:avLst/>
+          </a:prstGeom>
+          <a:noFill/>
+        </p:spPr>
+        <p:txBody>
+          <a:bodyPr wrap="square" rtlCol="0">
+            <a:spAutoFit/>
+          </a:bodyPr>
+          <a:lstStyle/>
+          <a:p>
+            <a:r>
+              <a:rPr lang="en-US" dirty="0"/>
+              <a:t>Diffusion</a:t>
+            </a:r>
+            <a:endParaRPr lang="en-IN" dirty="0"/>
+          </a:p>
+        </p:txBody>
+      </p:sp>
+      <p:sp>
+        <p:nvSpPr>
+          <p:cNvPr id="22" name="TextBox 21">
+            <a:extLst>
+              <a:ext uri="{FF2B5EF4-FFF2-40B4-BE49-F238E27FC236}">
+                <a16:creationId xmlns:a16="http://schemas.microsoft.com/office/drawing/2014/main" id="{87973542-442E-C077-2C61-19A8E17F60EB}"/>
+              </a:ext>
+            </a:extLst>
+          </p:cNvPr>
+          <p:cNvSpPr txBox="1"/>
+          <p:nvPr/>
+        </p:nvSpPr>
+        <p:spPr>
+          <a:xfrm>
+            <a:off x="9466728" y="4159624"/>
+            <a:ext cx="1837759" cy="369332"/>
+          </a:xfrm>
+          <a:prstGeom prst="rect">
+            <a:avLst/>
+          </a:prstGeom>
+          <a:noFill/>
+        </p:spPr>
+        <p:txBody>
+          <a:bodyPr wrap="square" rtlCol="0">
+            <a:spAutoFit/>
+          </a:bodyPr>
+          <a:lstStyle/>
+          <a:p>
+            <a:r>
+              <a:rPr lang="en-US" dirty="0"/>
+              <a:t>Image with text</a:t>
+            </a:r>
+            <a:endParaRPr lang="en-IN" dirty="0"/>
+          </a:p>
+        </p:txBody>
+      </p:sp>
+      <p:sp>
+        <p:nvSpPr>
+          <p:cNvPr id="3" name="TextBox 2">
+            <a:extLst>
+              <a:ext uri="{FF2B5EF4-FFF2-40B4-BE49-F238E27FC236}">
+                <a16:creationId xmlns:a16="http://schemas.microsoft.com/office/drawing/2014/main" id="{FC7BDDFA-6DBB-D042-7810-66DA14098636}"/>
+              </a:ext>
+            </a:extLst>
+          </p:cNvPr>
+          <p:cNvSpPr txBox="1"/>
+          <p:nvPr/>
+        </p:nvSpPr>
+        <p:spPr>
+          <a:xfrm>
+            <a:off x="11636187" y="89647"/>
+            <a:ext cx="367554" cy="307777"/>
+          </a:xfrm>
+          <a:prstGeom prst="rect">
+            <a:avLst/>
+          </a:prstGeom>
+          <a:noFill/>
+        </p:spPr>
+        <p:txBody>
+          <a:bodyPr wrap="square" rtlCol="0">
+            <a:spAutoFit/>
+          </a:bodyPr>
+          <a:lstStyle/>
+          <a:p>
+            <a:pPr algn="ctr"/>
+            <a:r>
+              <a:rPr lang="en-US" sz="1400" dirty="0">
+                <a:solidFill>
+                  <a:srgbClr val="FFC000"/>
+                </a:solidFill>
+              </a:rPr>
+              <a:t>11</a:t>
+            </a:r>
+            <a:endParaRPr lang="en-IN" sz="1400" dirty="0">
+              <a:solidFill>
+                <a:srgbClr val="FFC000"/>
+              </a:solidFill>
+            </a:endParaRPr>
+          </a:p>
+        </p:txBody>
+      </p:sp>
+      <p:pic>
+        <p:nvPicPr>
+          <p:cNvPr id="5" name="Picture 4">
+            <a:extLst>
+              <a:ext uri="{FF2B5EF4-FFF2-40B4-BE49-F238E27FC236}">
+                <a16:creationId xmlns:a16="http://schemas.microsoft.com/office/drawing/2014/main" id="{D7E30F30-3E96-D8BE-DB3D-5B7B955202B2}"/>
+              </a:ext>
+            </a:extLst>
+          </p:cNvPr>
+          <p:cNvPicPr>
+            <a:picLocks noChangeAspect="1"/>
+          </p:cNvPicPr>
+          <p:nvPr/>
+        </p:nvPicPr>
+        <p:blipFill>
+          <a:blip r:embed="rId2"/>
+          <a:stretch>
+            <a:fillRect/>
+          </a:stretch>
+        </p:blipFill>
+        <p:spPr>
+          <a:xfrm>
+            <a:off x="8255763" y="4525397"/>
+            <a:ext cx="2714519" cy="1362986"/>
+          </a:xfrm>
+          <a:prstGeom prst="rect">
+            <a:avLst/>
+          </a:prstGeom>
+        </p:spPr>
+      </p:pic>
+    </p:spTree>
+    <p:extLst>
+      <p:ext uri="{BB962C8B-B14F-4D97-AF65-F5344CB8AC3E}">
+        <p14:creationId xmlns:p14="http://schemas.microsoft.com/office/powerpoint/2010/main" val="4062957498"/>
+      </p:ext>
+    </p:extLst>
+  </p:cSld>
+  <p:clrMapOvr>
+    <a:masterClrMapping/>
+  </p:clrMapOvr>
+</p:sld>
+</file>
+
+<file path=ppt/slides/slide14.xml><?xml version="1.0" encoding="utf-8"?>
+<p:sld xmlns:a="http://schemas.openxmlformats.org/drawingml/2006/main" xmlns:r="http://schemas.openxmlformats.org/officeDocument/2006/relationships" xmlns:p="http://schemas.openxmlformats.org/presentationml/2006/main">
+  <p:cSld>
+    <p:spTree>
+      <p:nvGrpSpPr>
+        <p:cNvPr id="1" name=""/>
+        <p:cNvGrpSpPr/>
+        <p:nvPr/>
+      </p:nvGrpSpPr>
+      <p:grpSpPr>
+        <a:xfrm>
+          <a:off x="0" y="0"/>
+          <a:ext cx="0" cy="0"/>
+          <a:chOff x="0" y="0"/>
+          <a:chExt cx="0" cy="0"/>
+        </a:xfrm>
+      </p:grpSpPr>
+      <p:sp>
+        <p:nvSpPr>
           <p:cNvPr id="4" name="Title 1">
             <a:extLst>
               <a:ext uri="{FF2B5EF4-FFF2-40B4-BE49-F238E27FC236}">
@@ -8846,7 +8927,7 @@
 </p:sld>
 </file>
 
-<file path=ppt/slides/slide14.xml><?xml version="1.0" encoding="utf-8"?>
+<file path=ppt/slides/slide15.xml><?xml version="1.0" encoding="utf-8"?>
 <p:sld xmlns:a="http://schemas.openxmlformats.org/drawingml/2006/main" xmlns:r="http://schemas.openxmlformats.org/officeDocument/2006/relationships" xmlns:p="http://schemas.openxmlformats.org/presentationml/2006/main">
   <p:cSld>
     <p:spTree>
